--- a/Presentation_resource/GLove.pptx
+++ b/Presentation_resource/GLove.pptx
@@ -4041,15 +4041,34 @@
             <p:ph type="subTitle" idx="1"/>
           </p:nvPr>
         </p:nvSpPr>
-        <p:spPr/>
-        <p:txBody>
-          <a:bodyPr/>
+        <p:spPr>
+          <a:xfrm>
+            <a:off x="2417780" y="3531204"/>
+            <a:ext cx="8637072" cy="1359203"/>
+          </a:xfrm>
+        </p:spPr>
+        <p:txBody>
+          <a:bodyPr>
+            <a:normAutofit/>
+          </a:bodyPr>
           <a:lstStyle/>
           <a:p>
             <a:r>
               <a:rPr lang="en-US" altLang="ko-KR" dirty="0" smtClean="0"/>
-              <a:t>Embedding model</a:t>
-            </a:r>
+              <a:t>Embedding </a:t>
+            </a:r>
+            <a:r>
+              <a:rPr lang="en-US" altLang="ko-KR" dirty="0" smtClean="0"/>
+              <a:t>model</a:t>
+            </a:r>
+          </a:p>
+          <a:p>
+            <a:r>
+              <a:rPr lang="en-US" altLang="ko-KR" dirty="0" smtClean="0"/>
+              <a:t>Glove: global vectors for word representation</a:t>
+            </a:r>
+          </a:p>
+          <a:p>
             <a:endParaRPr lang="ko-KR" altLang="en-US" dirty="0"/>
           </a:p>
         </p:txBody>
@@ -4473,7 +4492,7 @@
         <p:spPr>
           <a:xfrm>
             <a:off x="971550" y="1428750"/>
-            <a:ext cx="8499021" cy="1015663"/>
+            <a:ext cx="8752114" cy="1015663"/>
           </a:xfrm>
           <a:prstGeom prst="rect">
             <a:avLst/>
@@ -4563,7 +4582,7 @@
         <p:spPr>
           <a:xfrm>
             <a:off x="971550" y="2873829"/>
-            <a:ext cx="8743950" cy="1015663"/>
+            <a:ext cx="8752114" cy="1015663"/>
           </a:xfrm>
           <a:prstGeom prst="rect">
             <a:avLst/>
@@ -4758,6 +4777,28 @@
               <a:rPr lang="en-US" altLang="ko-KR" dirty="0" smtClean="0"/>
               <a:t>.</a:t>
             </a:r>
+          </a:p>
+          <a:p>
+            <a:pPr marL="0" indent="0">
+              <a:buNone/>
+            </a:pPr>
+            <a:r>
+              <a:rPr lang="en-US" altLang="ko-KR" dirty="0" smtClean="0"/>
+              <a:t> - </a:t>
+            </a:r>
+            <a:r>
+              <a:rPr lang="ko-KR" altLang="en-US" dirty="0" err="1" smtClean="0"/>
+              <a:t>선형성을</a:t>
+            </a:r>
+            <a:r>
+              <a:rPr lang="ko-KR" altLang="en-US" dirty="0" smtClean="0"/>
+              <a:t> 가지는 것이 중요하다</a:t>
+            </a:r>
+            <a:r>
+              <a:rPr lang="en-US" altLang="ko-KR" dirty="0" smtClean="0"/>
+              <a:t>.</a:t>
+            </a:r>
+            <a:endParaRPr lang="en-US" altLang="ko-KR" dirty="0" smtClean="0"/>
           </a:p>
           <a:p>
             <a:pPr marL="0" indent="0">
@@ -5570,8 +5611,8 @@
         </p:nvSpPr>
         <p:spPr>
           <a:xfrm>
-            <a:off x="849084" y="1223637"/>
-            <a:ext cx="4498521" cy="707886"/>
+            <a:off x="849084" y="1108313"/>
+            <a:ext cx="4498521" cy="1015663"/>
           </a:xfrm>
           <a:prstGeom prst="rect">
             <a:avLst/>
@@ -5599,8 +5640,24 @@
               <a:t> </a:t>
             </a:r>
             <a:r>
+              <a:rPr lang="en-US" altLang="ko-KR" sz="2000" dirty="0" smtClean="0"/>
+              <a:t>co-</a:t>
+            </a:r>
+            <a:r>
+              <a:rPr lang="en-US" altLang="ko-KR" sz="2000" dirty="0" err="1" smtClean="0"/>
+              <a:t>occurunce</a:t>
+            </a:r>
+            <a:r>
+              <a:rPr lang="en-US" altLang="ko-KR" sz="2000" dirty="0" smtClean="0"/>
+              <a:t> </a:t>
+            </a:r>
+            <a:r>
               <a:rPr lang="ko-KR" altLang="en-US" sz="2000" dirty="0" smtClean="0"/>
-              <a:t>매트릭스를 어떻게 구성할 것인가</a:t>
+              <a:t>매트릭스를 </a:t>
+            </a:r>
+            <a:r>
+              <a:rPr lang="ko-KR" altLang="en-US" sz="2000" dirty="0" smtClean="0"/>
+              <a:t>어떻게 구성할 것인가</a:t>
             </a:r>
             <a:endParaRPr lang="ko-KR" altLang="en-US" sz="2000" dirty="0"/>
           </a:p>
@@ -5614,7 +5671,7 @@
         </p:nvSpPr>
         <p:spPr>
           <a:xfrm>
-            <a:off x="1257299" y="1869967"/>
+            <a:off x="1159328" y="2142590"/>
             <a:ext cx="4090307" cy="3416320"/>
           </a:xfrm>
           <a:prstGeom prst="rect">
@@ -5788,7 +5845,7 @@
         </p:nvSpPr>
         <p:spPr>
           <a:xfrm>
-            <a:off x="6196693" y="1223636"/>
+            <a:off x="6164036" y="1121839"/>
             <a:ext cx="3347357" cy="707886"/>
           </a:xfrm>
           <a:prstGeom prst="rect">
